--- a/NARENDRA.pptx
+++ b/NARENDRA.pptx
@@ -3775,7 +3775,21 @@
                 <a:latin typeface="+mn-lt"/>
                 <a:cs typeface="Times New Roman" panose="02020603050405020304" pitchFamily="18" charset="0"/>
               </a:rPr>
-              <a:t>Keyloggers are a type of surveillance software that record every keystroke made on a computer's keyboard. They can be used both for legitimate purposes, like monitoring employee activity, and for malicious purposes, such as stealing passwords and other sensitive information.</a:t>
+              <a:t>They can be used both for legitimate purposes, like monitoring employee activity, and for malicious purposes, such as stealing passwords and other sensitive </a:t>
+            </a:r>
+            <a:r>
+              <a:rPr lang="en-US" sz="1800" b="0" dirty="0" err="1">
+                <a:latin typeface="+mn-lt"/>
+                <a:cs typeface="Times New Roman" panose="02020603050405020304" pitchFamily="18" charset="0"/>
+              </a:rPr>
+              <a:t>information.Keyloggers</a:t>
+            </a:r>
+            <a:r>
+              <a:rPr lang="en-US" sz="1800" b="0" dirty="0">
+                <a:latin typeface="+mn-lt"/>
+                <a:cs typeface="Times New Roman" panose="02020603050405020304" pitchFamily="18" charset="0"/>
+              </a:rPr>
+              <a:t> are a type of surveillance software that record every keystroke made on a computer's keyboard. </a:t>
             </a:r>
             <a:br>
               <a:rPr lang="en-US" sz="1800" b="0" dirty="0">
@@ -3794,21 +3808,7 @@
                 <a:latin typeface="+mn-lt"/>
                 <a:cs typeface="Times New Roman" panose="02020603050405020304" pitchFamily="18" charset="0"/>
               </a:rPr>
-              <a:t>Hardware </a:t>
-            </a:r>
-            <a:r>
-              <a:rPr lang="en-IN" sz="1800" dirty="0" err="1">
-                <a:latin typeface="+mn-lt"/>
-                <a:cs typeface="Times New Roman" panose="02020603050405020304" pitchFamily="18" charset="0"/>
-              </a:rPr>
-              <a:t>Keyloggers</a:t>
-            </a:r>
-            <a:r>
-              <a:rPr lang="en-IN" sz="1800" dirty="0">
-                <a:latin typeface="+mn-lt"/>
-                <a:cs typeface="Times New Roman" panose="02020603050405020304" pitchFamily="18" charset="0"/>
-              </a:rPr>
-              <a:t>:</a:t>
+              <a:t>Hardware Keyloggers:</a:t>
             </a:r>
             <a:r>
               <a:rPr lang="en-US" sz="1800" b="0" dirty="0">
@@ -5576,7 +5576,7 @@
         <p:spPr>
           <a:xfrm>
             <a:off x="914400" y="1590784"/>
-            <a:ext cx="7010400" cy="3416320"/>
+            <a:ext cx="7010400" cy="3693319"/>
           </a:xfrm>
           <a:prstGeom prst="rect">
             <a:avLst/>
@@ -5595,11 +5595,31 @@
             </a:pPr>
             <a:r>
               <a:rPr lang="en-US" dirty="0"/>
-              <a:t>Keyloggers, both hardware and software, pose significant security threats by secretly recording every keystroke made on a computer. The objective of this project is to design and implement a keylogger detection and prevention system to bolster cybersecurity defenses. This system will identify and neutralize malicious keylogging activities on computer systems, thus safeguarding sensitive information from unauthorized access and exploitation..</a:t>
-            </a:r>
-          </a:p>
-          <a:p>
-            <a:pPr algn="just"/>
+              <a:t>Keyloggers, both hardware and software, pose significant security threats by secretly recording every keystroke made on a computer. </a:t>
+            </a:r>
+          </a:p>
+          <a:p>
+            <a:pPr marL="285750" indent="-285750" algn="just">
+              <a:buFont typeface="Wingdings" panose="05000000000000000000" pitchFamily="2" charset="2"/>
+              <a:buChar char="ü"/>
+            </a:pPr>
+            <a:endParaRPr lang="en-US" dirty="0"/>
+          </a:p>
+          <a:p>
+            <a:pPr marL="285750" indent="-285750" algn="just">
+              <a:buFont typeface="Wingdings" panose="05000000000000000000" pitchFamily="2" charset="2"/>
+              <a:buChar char="ü"/>
+            </a:pPr>
+            <a:r>
+              <a:rPr lang="en-US" dirty="0"/>
+              <a:t>The objective of this project is to design and implement a keylogger detection and prevention system to bolster cybersecurity defenses. This system will identify and neutralize malicious keylogging activities on computer systems, thus safeguarding sensitive information from unauthorized access and exploitation..</a:t>
+            </a:r>
+          </a:p>
+          <a:p>
+            <a:pPr marL="285750" indent="-285750" algn="just">
+              <a:buFont typeface="Wingdings" panose="05000000000000000000" pitchFamily="2" charset="2"/>
+              <a:buChar char="ü"/>
+            </a:pPr>
             <a:endParaRPr lang="en-US" dirty="0"/>
           </a:p>
           <a:p>
@@ -6026,7 +6046,14 @@
             </a:r>
           </a:p>
           <a:p>
-            <a:endParaRPr lang="en-US" dirty="0"/>
+            <a:r>
+              <a:rPr lang="en-US" b="1" dirty="0"/>
+              <a:t>4.Conducting Case Studies:</a:t>
+            </a:r>
+            <a:r>
+              <a:rPr lang="en-US" dirty="0"/>
+              <a:t> To apply and test solutions in real-world scenarios.</a:t>
+            </a:r>
           </a:p>
           <a:p>
             <a:endParaRPr lang="en-US" dirty="0"/>
@@ -6070,8 +6097,8 @@
         </p:nvSpPr>
         <p:spPr>
           <a:xfrm>
-            <a:off x="533400" y="367796"/>
-            <a:ext cx="5014595" cy="518159"/>
+            <a:off x="479376" y="367796"/>
+            <a:ext cx="5068619" cy="518159"/>
           </a:xfrm>
           <a:prstGeom prst="rect">
             <a:avLst/>
